--- a/docs/pj-task1/HCI.pptx
+++ b/docs/pj-task1/HCI.pptx
@@ -1142,15 +1142,8 @@
               <a:buNone/>
             </a:pPr>
             <a:r>
-              <a:rPr lang="en" sz="1000">
-                <a:solidFill>
-                  <a:srgbClr val="222222"/>
-                </a:solidFill>
-                <a:highlight>
-                  <a:srgbClr val="FFFFFF"/>
-                </a:highlight>
-              </a:rPr>
-              <a:t>we wanted to make an app for people to know about political affiliation of twitter users. To build an app on this idea we interviewed some people who uses internet on daily basis and are currently active on social websites. Most of our interviewees said that they are not interested in knowing the the political affiliation of a person using twitter. So we re-iterated the design process on our idea. We concluded that we will build this app as a solution for politics. Politicians and political parties can find people easily who follows them. We decided to make this app specifically for political personalities but the app will be open to public.Our participants for the interview were not interested in politics and they don’t use social media to get political updates and most of them even don’t follow political personalities on the Twitter. This gives us insight  that, people don’t use social media for political purposes. Some participants said that they are fed up with the lies of politics and they do not believe in politics. We can conclude that one of the  reason for the people for not using social media to get political awareness is because they do not believe the politicians. Participants think that they all are lieres</a:t>
+              <a:rPr lang="en"/>
+              <a:t>While as expected the extremely not interested in politics said they have interest whatsoever in the idea of knowing the </a:t>
             </a:r>
           </a:p>
           <a:p>
@@ -1161,16 +1154,33 @@
               <a:buNone/>
             </a:pPr>
             <a:r>
+              <a:rPr lang="en"/>
+              <a:t>affiliation of a twitter user and same goes for the person who was extremely interested in it</a:t>
+            </a:r>
+          </a:p>
+          <a:p>
+            <a:pPr lvl="0">
+              <a:spcBef>
+                <a:spcPts val="0"/>
+              </a:spcBef>
+              <a:buNone/>
+            </a:pPr>
+            <a:r>
+              <a:rPr lang="en"/>
+              <a:t>But the mildly/slightly interested people were still interested in the idea. Mainly not because of politics but because it lets them take a peek into someone else’s views</a:t>
+            </a:r>
+          </a:p>
+          <a:p>
+            <a:pPr lvl="0">
+              <a:spcBef>
+                <a:spcPts val="0"/>
+              </a:spcBef>
+              <a:buNone/>
+            </a:pPr>
+            <a:r>
               <a:t/>
             </a:r>
-            <a:endParaRPr sz="1000">
-              <a:solidFill>
-                <a:srgbClr val="222222"/>
-              </a:solidFill>
-              <a:highlight>
-                <a:srgbClr val="FFFFFF"/>
-              </a:highlight>
-            </a:endParaRPr>
+            <a:endParaRPr/>
           </a:p>
           <a:p>
             <a:pPr lvl="0">
@@ -1180,16 +1190,25 @@
               <a:buNone/>
             </a:pPr>
             <a:r>
-              <a:t/>
-            </a:r>
-            <a:endParaRPr sz="1000">
-              <a:solidFill>
-                <a:srgbClr val="222222"/>
-              </a:solidFill>
-              <a:highlight>
-                <a:srgbClr val="FFFFFF"/>
-              </a:highlight>
-            </a:endParaRPr>
+              <a:rPr lang="en"/>
+              <a:t>Some </a:t>
+            </a:r>
+            <a:r>
+              <a:rPr lang="en"/>
+              <a:t>participants were not interested in politics and while some wants to get insight about politics and showed interest in our project. </a:t>
+            </a:r>
+            <a:r>
+              <a:rPr lang="en"/>
+              <a:t> Although some of them were not interested in the politics but they appreciated our project. This tells us they are not deeply interested in politics but they thought that our project can be </a:t>
+            </a:r>
+            <a:r>
+              <a:rPr lang="en"/>
+              <a:t>beneficial</a:t>
+            </a:r>
+            <a:r>
+              <a:rPr lang="en"/>
+              <a:t> to others.</a:t>
+            </a:r>
           </a:p>
         </p:txBody>
       </p:sp>
@@ -1282,73 +1301,9 @@
               <a:buNone/>
             </a:pPr>
             <a:r>
-              <a:rPr lang="en"/>
-              <a:t>While as expected the extremely not interested in politics said they have interest whatsoever in the idea of knowing the </a:t>
-            </a:r>
-          </a:p>
-          <a:p>
-            <a:pPr lvl="0">
-              <a:spcBef>
-                <a:spcPts val="0"/>
-              </a:spcBef>
-              <a:buNone/>
-            </a:pPr>
-            <a:r>
-              <a:rPr lang="en"/>
-              <a:t>affiliation of a twitter user and same goes for the person who was extremely interested in it</a:t>
-            </a:r>
-          </a:p>
-          <a:p>
-            <a:pPr lvl="0">
-              <a:spcBef>
-                <a:spcPts val="0"/>
-              </a:spcBef>
-              <a:buNone/>
-            </a:pPr>
-            <a:r>
-              <a:rPr lang="en"/>
-              <a:t>But the mildly/slightly interested people were still interested in the idea. Mainly not because of politics but because it lets them take a peek into someone else’s views</a:t>
-            </a:r>
-          </a:p>
-          <a:p>
-            <a:pPr lvl="0">
-              <a:spcBef>
-                <a:spcPts val="0"/>
-              </a:spcBef>
-              <a:buNone/>
-            </a:pPr>
-            <a:r>
               <a:t/>
             </a:r>
             <a:endParaRPr/>
-          </a:p>
-          <a:p>
-            <a:pPr lvl="0">
-              <a:spcBef>
-                <a:spcPts val="0"/>
-              </a:spcBef>
-              <a:buNone/>
-            </a:pPr>
-            <a:r>
-              <a:rPr lang="en"/>
-              <a:t>Some </a:t>
-            </a:r>
-            <a:r>
-              <a:rPr lang="en"/>
-              <a:t>participants were not interested in politics and while some wants to get insight about politics and showed interest in our project. </a:t>
-            </a:r>
-            <a:r>
-              <a:rPr lang="en"/>
-              <a:t> Although some of them were not interested in the politics but they appreciated our project. This tells us they are not deeply interested in politics but they thought that our project can be </a:t>
-            </a:r>
-            <a:r>
-              <a:rPr lang="en"/>
-              <a:t>beneficial</a:t>
-            </a:r>
-            <a:r>
-              <a:rPr lang="en"/>
-              <a:t> to others.</a:t>
-            </a:r>
           </a:p>
         </p:txBody>
       </p:sp>
@@ -1434,16 +1389,24 @@
           </a:bodyPr>
           <a:lstStyle/>
           <a:p>
-            <a:pPr lvl="0">
-              <a:spcBef>
-                <a:spcPts val="0"/>
-              </a:spcBef>
-              <a:buNone/>
-            </a:pPr>
-            <a:r>
-              <a:t/>
-            </a:r>
-            <a:endParaRPr/>
+            <a:pPr lvl="0" rtl="0">
+              <a:spcBef>
+                <a:spcPts val="0"/>
+              </a:spcBef>
+              <a:buNone/>
+            </a:pPr>
+            <a:r>
+              <a:rPr lang="en"/>
+              <a:t>The results from the interviews shows us that most of the young people are not interested in politics. That is why we are changing our target political affiliated parties and </a:t>
+            </a:r>
+            <a:r>
+              <a:rPr lang="en"/>
+              <a:t>personalities</a:t>
+            </a:r>
+            <a:r>
+              <a:rPr lang="en"/>
+              <a:t> for this project</a:t>
+            </a:r>
           </a:p>
         </p:txBody>
       </p:sp>
@@ -6613,7 +6576,7 @@
         </p:nvSpPr>
         <p:spPr>
           <a:xfrm>
-            <a:off x="180700" y="650375"/>
+            <a:off x="180700" y="819100"/>
             <a:ext cx="3493200" cy="843300"/>
           </a:xfrm>
           <a:prstGeom prst="rect">
@@ -6630,7 +6593,7 @@
           </a:bodyPr>
           <a:lstStyle/>
           <a:p>
-            <a:pPr lvl="0">
+            <a:pPr lvl="0" rtl="0">
               <a:spcBef>
                 <a:spcPts val="0"/>
               </a:spcBef>
@@ -6638,19 +6601,7 @@
             </a:pPr>
             <a:r>
               <a:rPr lang="en" sz="2000"/>
-              <a:t>Interested in politics because “I think it can lead to betterment of Pakistan”</a:t>
-            </a:r>
-          </a:p>
-          <a:p>
-            <a:pPr lvl="0" rtl="0">
-              <a:spcBef>
-                <a:spcPts val="0"/>
-              </a:spcBef>
-              <a:buNone/>
-            </a:pPr>
-            <a:r>
-              <a:rPr lang="en" sz="2000"/>
-              <a:t>“I can find the affiliation of celebrities that I follow”</a:t>
+              <a:t>I don’t use twitter much so i get much of my information from newspapers and television</a:t>
             </a:r>
           </a:p>
         </p:txBody>
@@ -6688,7 +6639,31 @@
             </a:pPr>
             <a:r>
               <a:rPr lang="en" sz="2000"/>
-              <a:t>Optimistic</a:t>
+              <a:t>Relaxed</a:t>
+            </a:r>
+          </a:p>
+          <a:p>
+            <a:pPr lvl="0" rtl="0">
+              <a:spcBef>
+                <a:spcPts val="0"/>
+              </a:spcBef>
+              <a:buNone/>
+            </a:pPr>
+            <a:r>
+              <a:rPr lang="en" sz="2000"/>
+              <a:t>Comfortable</a:t>
+            </a:r>
+          </a:p>
+          <a:p>
+            <a:pPr lvl="0" rtl="0">
+              <a:spcBef>
+                <a:spcPts val="0"/>
+              </a:spcBef>
+              <a:buNone/>
+            </a:pPr>
+            <a:r>
+              <a:rPr lang="en" sz="2000"/>
+              <a:t>Feeled bored when details were discussed </a:t>
             </a:r>
           </a:p>
         </p:txBody>
@@ -6726,7 +6701,7 @@
             </a:pPr>
             <a:r>
               <a:rPr lang="en" sz="2000"/>
-              <a:t>Smiling</a:t>
+              <a:t>Concerned while talking about current state of politics</a:t>
             </a:r>
           </a:p>
         </p:txBody>
@@ -6764,7 +6739,7 @@
             </a:pPr>
             <a:r>
               <a:rPr lang="en" sz="2000"/>
-              <a:t>Introduce positivity into society through politics</a:t>
+              <a:t>Social media should not be connected with politics</a:t>
             </a:r>
           </a:p>
         </p:txBody>
@@ -6873,7 +6848,7 @@
             </a:pPr>
             <a:r>
               <a:rPr lang="en"/>
-              <a:t>REASON FOR INTERVIEW: Avid social media user with sligh interest in politics</a:t>
+              <a:t>REASON FOR INTERVIEW: Avoid social media user with slight interest in politics</a:t>
             </a:r>
           </a:p>
           <a:p>
@@ -6925,6 +6900,18 @@
           </a:bodyPr>
           <a:lstStyle/>
           <a:p>
+            <a:pPr lvl="0">
+              <a:spcBef>
+                <a:spcPts val="0"/>
+              </a:spcBef>
+              <a:buNone/>
+            </a:pPr>
+            <a:r>
+              <a:rPr lang="en"/>
+              <a:t>CS major at ITU and CEO at</a:t>
+            </a:r>
+          </a:p>
+          <a:p>
             <a:pPr lvl="0" rtl="0">
               <a:spcBef>
                 <a:spcPts val="0"/>
@@ -6933,7 +6920,7 @@
             </a:pPr>
             <a:r>
               <a:rPr lang="en"/>
-              <a:t>CS major at ITU</a:t>
+              <a:t>Media9.pk</a:t>
             </a:r>
           </a:p>
         </p:txBody>
@@ -7262,6 +7249,30 @@
           </a:bodyPr>
           <a:lstStyle/>
           <a:p>
+            <a:pPr lvl="0">
+              <a:spcBef>
+                <a:spcPts val="0"/>
+              </a:spcBef>
+              <a:buNone/>
+            </a:pPr>
+            <a:r>
+              <a:rPr lang="en" sz="2000"/>
+              <a:t>Relaxed</a:t>
+            </a:r>
+          </a:p>
+          <a:p>
+            <a:pPr lvl="0">
+              <a:spcBef>
+                <a:spcPts val="0"/>
+              </a:spcBef>
+              <a:buNone/>
+            </a:pPr>
+            <a:r>
+              <a:rPr lang="en" sz="2000"/>
+              <a:t>Comfortable</a:t>
+            </a:r>
+          </a:p>
+          <a:p>
             <a:pPr lvl="0" rtl="0">
               <a:spcBef>
                 <a:spcPts val="0"/>
@@ -7269,9 +7280,9 @@
               <a:buNone/>
             </a:pPr>
             <a:r>
-              <a:t/>
-            </a:r>
-            <a:endParaRPr/>
+              <a:rPr lang="en" sz="2000"/>
+              <a:t>Feeled bored when details were discussed </a:t>
+            </a:r>
           </a:p>
         </p:txBody>
       </p:sp>
@@ -7307,9 +7318,21 @@
               <a:buNone/>
             </a:pPr>
             <a:r>
+              <a:rPr lang="en" sz="2000"/>
+              <a:t>Smiled while interviewing </a:t>
+            </a:r>
+          </a:p>
+          <a:p>
+            <a:pPr lvl="0" rtl="0">
+              <a:spcBef>
+                <a:spcPts val="0"/>
+              </a:spcBef>
+              <a:buNone/>
+            </a:pPr>
+            <a:r>
               <a:t/>
             </a:r>
-            <a:endParaRPr/>
+            <a:endParaRPr sz="2000"/>
           </a:p>
         </p:txBody>
       </p:sp>
@@ -7345,9 +7368,9 @@
               <a:buNone/>
             </a:pPr>
             <a:r>
-              <a:t/>
-            </a:r>
-            <a:endParaRPr/>
+              <a:rPr lang="en" sz="2000"/>
+              <a:t>Social media should not be connected with politics</a:t>
+            </a:r>
           </a:p>
         </p:txBody>
       </p:sp>
@@ -7939,9 +7962,9 @@
               <a:buNone/>
             </a:pPr>
             <a:r>
-              <a:t/>
-            </a:r>
-            <a:endParaRPr/>
+              <a:rPr lang="en" sz="2000"/>
+              <a:t>Sad </a:t>
+            </a:r>
           </a:p>
         </p:txBody>
       </p:sp>
@@ -7993,33 +8016,15 @@
           </a:bodyPr>
           <a:lstStyle/>
           <a:p>
-            <a:pPr lvl="0" rtl="0">
-              <a:lnSpc>
-                <a:spcPct val="115000"/>
-              </a:lnSpc>
-              <a:spcBef>
-                <a:spcPts val="0"/>
-              </a:spcBef>
-              <a:spcAft>
-                <a:spcPts val="1600"/>
-              </a:spcAft>
-              <a:buNone/>
-            </a:pPr>
-            <a:r>
-              <a:rPr lang="en" sz="6000">
-                <a:solidFill>
-                  <a:schemeClr val="dk2"/>
-                </a:solidFill>
-              </a:rPr>
-              <a:t>Participants</a:t>
-            </a:r>
-            <a:r>
-              <a:rPr b="0" lang="en" sz="6000">
-                <a:solidFill>
-                  <a:schemeClr val="dk2"/>
-                </a:solidFill>
-              </a:rPr>
-              <a:t>:</a:t>
+            <a:pPr lvl="0">
+              <a:spcBef>
+                <a:spcPts val="0"/>
+              </a:spcBef>
+              <a:buNone/>
+            </a:pPr>
+            <a:r>
+              <a:rPr lang="en"/>
+              <a:t>Interview Results</a:t>
             </a:r>
           </a:p>
         </p:txBody>
@@ -8054,72 +8059,44 @@
               <a:buNone/>
             </a:pPr>
             <a:r>
-              <a:t/>
-            </a:r>
-            <a:endParaRPr sz="2000"/>
-          </a:p>
-          <a:p>
-            <a:pPr indent="-355600" lvl="0" marL="457200" rtl="0">
-              <a:spcBef>
-                <a:spcPts val="0"/>
-              </a:spcBef>
-              <a:buSzPct val="100000"/>
-            </a:pPr>
-            <a:r>
               <a:rPr lang="en" sz="2000"/>
-              <a:t>U</a:t>
-            </a:r>
+              <a:t>Don't use twitter much</a:t>
+            </a:r>
+          </a:p>
+          <a:p>
+            <a:pPr lvl="0">
+              <a:spcBef>
+                <a:spcPts val="0"/>
+              </a:spcBef>
+              <a:buNone/>
+            </a:pPr>
             <a:r>
               <a:rPr lang="en" sz="2000"/>
-              <a:t>sama latif (Normal)</a:t>
-            </a:r>
-          </a:p>
-          <a:p>
-            <a:pPr indent="-355600" lvl="0" marL="457200" rtl="0">
-              <a:spcBef>
-                <a:spcPts val="0"/>
-              </a:spcBef>
-              <a:buSzPct val="100000"/>
+              <a:t>Not interested in politics because of all the lies</a:t>
+            </a:r>
+          </a:p>
+          <a:p>
+            <a:pPr lvl="0">
+              <a:spcBef>
+                <a:spcPts val="0"/>
+              </a:spcBef>
+              <a:buNone/>
             </a:pPr>
             <a:r>
               <a:rPr lang="en" sz="2000"/>
-              <a:t>Bilal Hanif (Normal)</a:t>
-            </a:r>
-          </a:p>
-          <a:p>
-            <a:pPr indent="-355600" lvl="0" marL="457200" rtl="0">
-              <a:spcBef>
-                <a:spcPts val="0"/>
-              </a:spcBef>
-              <a:buSzPct val="100000"/>
+              <a:t>Interested in celebrities </a:t>
+            </a:r>
+          </a:p>
+          <a:p>
+            <a:pPr lvl="0">
+              <a:spcBef>
+                <a:spcPts val="0"/>
+              </a:spcBef>
+              <a:buNone/>
             </a:pPr>
             <a:r>
               <a:rPr lang="en" sz="2000"/>
-              <a:t>Ali Jibran (Extreme)</a:t>
-            </a:r>
-          </a:p>
-          <a:p>
-            <a:pPr indent="-355600" lvl="0" marL="457200" rtl="0">
-              <a:spcBef>
-                <a:spcPts val="0"/>
-              </a:spcBef>
-              <a:buSzPct val="100000"/>
-            </a:pPr>
-            <a:r>
-              <a:rPr lang="en" sz="2000"/>
-              <a:t>Ahmad khan(Extreme)</a:t>
-            </a:r>
-          </a:p>
-          <a:p>
-            <a:pPr indent="-355600" lvl="0" marL="457200">
-              <a:spcBef>
-                <a:spcPts val="0"/>
-              </a:spcBef>
-              <a:buSzPct val="100000"/>
-            </a:pPr>
-            <a:r>
-              <a:rPr lang="en" sz="2000"/>
-              <a:t>M Hamza Riaz (Extreme)</a:t>
+              <a:t>Interested in knowing political affiliation of people,Just because it lets them get a peek into someone else’s life</a:t>
             </a:r>
           </a:p>
           <a:p>
@@ -8192,7 +8169,7 @@
             </a:pPr>
             <a:r>
               <a:rPr lang="en"/>
-              <a:t>Interview Results</a:t>
+              <a:t>Summary</a:t>
             </a:r>
           </a:p>
         </p:txBody>
@@ -8227,8 +8204,8 @@
               <a:buNone/>
             </a:pPr>
             <a:r>
-              <a:rPr lang="en" sz="2000"/>
-              <a:t>Don't use twitter much</a:t>
+              <a:rPr lang="en"/>
+              <a:t>People are generally not interested in politics</a:t>
             </a:r>
           </a:p>
           <a:p>
@@ -8239,8 +8216,8 @@
               <a:buNone/>
             </a:pPr>
             <a:r>
-              <a:rPr lang="en" sz="2000"/>
-              <a:t>Not interested in politics because of all the lies</a:t>
+              <a:rPr lang="en"/>
+              <a:t>People generally don’t use twitter</a:t>
             </a:r>
           </a:p>
           <a:p>
@@ -8251,8 +8228,8 @@
               <a:buNone/>
             </a:pPr>
             <a:r>
-              <a:rPr lang="en" sz="2000"/>
-              <a:t>Interested in celebrities </a:t>
+              <a:rPr lang="en"/>
+              <a:t>People don’t want to join politics with social media </a:t>
             </a:r>
           </a:p>
           <a:p>
@@ -8263,21 +8240,9 @@
               <a:buNone/>
             </a:pPr>
             <a:r>
-              <a:rPr lang="en" sz="2000"/>
-              <a:t>Interested in knowing political affiliation of people,Just because it lets them get a peek into someone else’s life</a:t>
-            </a:r>
-          </a:p>
-          <a:p>
-            <a:pPr lvl="0">
-              <a:spcBef>
-                <a:spcPts val="0"/>
-              </a:spcBef>
-              <a:buNone/>
-            </a:pPr>
-            <a:r>
               <a:t/>
             </a:r>
-            <a:endParaRPr sz="2000"/>
+            <a:endParaRPr/>
           </a:p>
         </p:txBody>
       </p:sp>
@@ -8311,33 +8276,41 @@
           <p:cNvPr id="202" name="Shape 202"/>
           <p:cNvSpPr txBox="1"/>
           <p:nvPr>
-            <p:ph type="title"/>
+            <p:ph type="ctrTitle"/>
           </p:nvPr>
         </p:nvSpPr>
         <p:spPr>
           <a:xfrm>
-            <a:off x="311700" y="292850"/>
-            <a:ext cx="8520600" cy="801000"/>
-          </a:xfrm>
-          <a:prstGeom prst="rect">
-            <a:avLst/>
-          </a:prstGeom>
-        </p:spPr>
-        <p:txBody>
-          <a:bodyPr anchorCtr="0" anchor="t" bIns="91425" lIns="91425" rIns="91425" tIns="91425">
+            <a:off x="311700" y="392150"/>
+            <a:ext cx="8520600" cy="2690400"/>
+          </a:xfrm>
+          <a:prstGeom prst="rect">
+            <a:avLst/>
+          </a:prstGeom>
+        </p:spPr>
+        <p:txBody>
+          <a:bodyPr anchorCtr="0" anchor="ctr" bIns="91425" lIns="91425" rIns="91425" tIns="91425">
             <a:noAutofit/>
           </a:bodyPr>
           <a:lstStyle/>
           <a:p>
-            <a:pPr lvl="0">
-              <a:spcBef>
-                <a:spcPts val="0"/>
-              </a:spcBef>
-              <a:buNone/>
-            </a:pPr>
-            <a:r>
-              <a:rPr lang="en"/>
-              <a:t>Summary</a:t>
+            <a:pPr lvl="0" rtl="0">
+              <a:spcBef>
+                <a:spcPts val="0"/>
+              </a:spcBef>
+              <a:buNone/>
+            </a:pPr>
+            <a:r>
+              <a:rPr lang="en" sz="7200"/>
+              <a:t>Changing our Target </a:t>
+            </a:r>
+            <a:r>
+              <a:rPr lang="en" sz="7200"/>
+              <a:t>Audience</a:t>
+            </a:r>
+            <a:r>
+              <a:rPr lang="en" sz="7200"/>
+              <a:t> </a:t>
             </a:r>
           </a:p>
         </p:txBody>
@@ -8347,25 +8320,25 @@
           <p:cNvPr id="203" name="Shape 203"/>
           <p:cNvSpPr txBox="1"/>
           <p:nvPr>
-            <p:ph idx="1" type="body"/>
+            <p:ph idx="1" type="subTitle"/>
           </p:nvPr>
         </p:nvSpPr>
         <p:spPr>
           <a:xfrm>
-            <a:off x="311700" y="1228675"/>
-            <a:ext cx="8520600" cy="3340200"/>
-          </a:xfrm>
-          <a:prstGeom prst="rect">
-            <a:avLst/>
-          </a:prstGeom>
-        </p:spPr>
-        <p:txBody>
-          <a:bodyPr anchorCtr="0" anchor="t" bIns="91425" lIns="91425" rIns="91425" tIns="91425">
+            <a:off x="311700" y="3890400"/>
+            <a:ext cx="8520600" cy="706200"/>
+          </a:xfrm>
+          <a:prstGeom prst="rect">
+            <a:avLst/>
+          </a:prstGeom>
+        </p:spPr>
+        <p:txBody>
+          <a:bodyPr anchorCtr="0" anchor="ctr" bIns="91425" lIns="91425" rIns="91425" tIns="91425">
             <a:noAutofit/>
           </a:bodyPr>
           <a:lstStyle/>
           <a:p>
-            <a:pPr lvl="0">
+            <a:pPr lvl="0" rtl="0">
               <a:spcBef>
                 <a:spcPts val="0"/>
               </a:spcBef>
@@ -8373,19 +8346,7 @@
             </a:pPr>
             <a:r>
               <a:rPr lang="en"/>
-              <a:t>People are generally not interested in politics</a:t>
-            </a:r>
-          </a:p>
-          <a:p>
-            <a:pPr lvl="0">
-              <a:spcBef>
-                <a:spcPts val="0"/>
-              </a:spcBef>
-              <a:buNone/>
-            </a:pPr>
-            <a:r>
-              <a:rPr lang="en"/>
-              <a:t>People generally don’t use twitter</a:t>
+              <a:t>From now onwards we will target political affiliated parties and personalities </a:t>
             </a:r>
           </a:p>
         </p:txBody>
